--- a/man/figures/hexsticker.pptx
+++ b/man/figures/hexsticker.pptx
@@ -243,7 +243,7 @@
           <a:p>
             <a:fld id="{8AA7341E-E8D5-574D-9C77-42D65F8270B5}" type="datetimeFigureOut">
               <a:rPr lang="en-US" smtClean="0"/>
-              <a:t>Nov 10</a:t>
+              <a:t>Nov 18</a:t>
             </a:fld>
             <a:endParaRPr lang="en-US"/>
           </a:p>
@@ -413,7 +413,7 @@
           <a:p>
             <a:fld id="{8AA7341E-E8D5-574D-9C77-42D65F8270B5}" type="datetimeFigureOut">
               <a:rPr lang="en-US" smtClean="0"/>
-              <a:t>Nov 10</a:t>
+              <a:t>Nov 18</a:t>
             </a:fld>
             <a:endParaRPr lang="en-US"/>
           </a:p>
@@ -593,7 +593,7 @@
           <a:p>
             <a:fld id="{8AA7341E-E8D5-574D-9C77-42D65F8270B5}" type="datetimeFigureOut">
               <a:rPr lang="en-US" smtClean="0"/>
-              <a:t>Nov 10</a:t>
+              <a:t>Nov 18</a:t>
             </a:fld>
             <a:endParaRPr lang="en-US"/>
           </a:p>
@@ -763,7 +763,7 @@
           <a:p>
             <a:fld id="{8AA7341E-E8D5-574D-9C77-42D65F8270B5}" type="datetimeFigureOut">
               <a:rPr lang="en-US" smtClean="0"/>
-              <a:t>Nov 10</a:t>
+              <a:t>Nov 18</a:t>
             </a:fld>
             <a:endParaRPr lang="en-US"/>
           </a:p>
@@ -1007,7 +1007,7 @@
           <a:p>
             <a:fld id="{8AA7341E-E8D5-574D-9C77-42D65F8270B5}" type="datetimeFigureOut">
               <a:rPr lang="en-US" smtClean="0"/>
-              <a:t>Nov 10</a:t>
+              <a:t>Nov 18</a:t>
             </a:fld>
             <a:endParaRPr lang="en-US"/>
           </a:p>
@@ -1239,7 +1239,7 @@
           <a:p>
             <a:fld id="{8AA7341E-E8D5-574D-9C77-42D65F8270B5}" type="datetimeFigureOut">
               <a:rPr lang="en-US" smtClean="0"/>
-              <a:t>Nov 10</a:t>
+              <a:t>Nov 18</a:t>
             </a:fld>
             <a:endParaRPr lang="en-US"/>
           </a:p>
@@ -1606,7 +1606,7 @@
           <a:p>
             <a:fld id="{8AA7341E-E8D5-574D-9C77-42D65F8270B5}" type="datetimeFigureOut">
               <a:rPr lang="en-US" smtClean="0"/>
-              <a:t>Nov 10</a:t>
+              <a:t>Nov 18</a:t>
             </a:fld>
             <a:endParaRPr lang="en-US"/>
           </a:p>
@@ -1724,7 +1724,7 @@
           <a:p>
             <a:fld id="{8AA7341E-E8D5-574D-9C77-42D65F8270B5}" type="datetimeFigureOut">
               <a:rPr lang="en-US" smtClean="0"/>
-              <a:t>Nov 10</a:t>
+              <a:t>Nov 18</a:t>
             </a:fld>
             <a:endParaRPr lang="en-US"/>
           </a:p>
@@ -1819,7 +1819,7 @@
           <a:p>
             <a:fld id="{8AA7341E-E8D5-574D-9C77-42D65F8270B5}" type="datetimeFigureOut">
               <a:rPr lang="en-US" smtClean="0"/>
-              <a:t>Nov 10</a:t>
+              <a:t>Nov 18</a:t>
             </a:fld>
             <a:endParaRPr lang="en-US"/>
           </a:p>
@@ -2096,7 +2096,7 @@
           <a:p>
             <a:fld id="{8AA7341E-E8D5-574D-9C77-42D65F8270B5}" type="datetimeFigureOut">
               <a:rPr lang="en-US" smtClean="0"/>
-              <a:t>Nov 10</a:t>
+              <a:t>Nov 18</a:t>
             </a:fld>
             <a:endParaRPr lang="en-US"/>
           </a:p>
@@ -2353,7 +2353,7 @@
           <a:p>
             <a:fld id="{8AA7341E-E8D5-574D-9C77-42D65F8270B5}" type="datetimeFigureOut">
               <a:rPr lang="en-US" smtClean="0"/>
-              <a:t>Nov 10</a:t>
+              <a:t>Nov 18</a:t>
             </a:fld>
             <a:endParaRPr lang="en-US"/>
           </a:p>
@@ -2566,7 +2566,7 @@
           <a:p>
             <a:fld id="{8AA7341E-E8D5-574D-9C77-42D65F8270B5}" type="datetimeFigureOut">
               <a:rPr lang="en-US" smtClean="0"/>
-              <a:t>Nov 10</a:t>
+              <a:t>Nov 18</a:t>
             </a:fld>
             <a:endParaRPr lang="en-US"/>
           </a:p>
@@ -3065,7 +3065,7 @@
           <p:spPr>
             <a:xfrm>
               <a:off x="4478188" y="1744262"/>
-              <a:ext cx="2474383" cy="697232"/>
+              <a:ext cx="2474383" cy="628539"/>
             </a:xfrm>
             <a:prstGeom prst="rect">
               <a:avLst/>
@@ -3080,69 +3080,32 @@
             <a:p>
               <a:pPr algn="ctr"/>
               <a:r>
-                <a:rPr lang="en-US" sz="40000" i="1" spc="-1200" dirty="0">
+                <a:rPr lang="en-US" sz="36000" i="1" spc="600" dirty="0">
                   <a:solidFill>
                     <a:schemeClr val="bg1"/>
                   </a:solidFill>
                   <a:latin typeface="Bodoni* 11" pitchFamily="50" charset="0"/>
                 </a:rPr>
-                <a:t>fa</a:t>
+                <a:t>faux</a:t>
               </a:r>
               <a:r>
-                <a:rPr lang="en-US" sz="40000" i="1" spc="-200" dirty="0">
-                  <a:solidFill>
-                    <a:schemeClr val="bg1"/>
-                  </a:solidFill>
-                  <a:latin typeface="Bodoni* 11" pitchFamily="50" charset="0"/>
-                </a:rPr>
-                <a:t>u</a:t>
-              </a:r>
-              <a:r>
-                <a:rPr lang="en-US" sz="40000" i="1" spc="-1200" dirty="0">
-                  <a:solidFill>
-                    <a:schemeClr val="bg1"/>
-                  </a:solidFill>
-                  <a:latin typeface="Bodoni* 11" pitchFamily="50" charset="0"/>
-                </a:rPr>
-                <a:t>x</a:t>
-              </a:r>
-              <a:r>
-                <a:rPr lang="en-US" sz="28000" b="1" i="1" spc="-1200" dirty="0">
+                <a:rPr lang="en-US" sz="26200" b="1" i="1" spc="600" dirty="0">
                   <a:solidFill>
                     <a:schemeClr val="bg1"/>
                   </a:solidFill>
                   <a:latin typeface="Hasklig" panose="020B0509030403020204" pitchFamily="49" charset="0"/>
                   <a:ea typeface="Hasklig" panose="020B0509030403020204" pitchFamily="49" charset="0"/>
                 </a:rPr>
-                <a:t>N</a:t>
+                <a:t>NA</a:t>
               </a:r>
               <a:r>
-                <a:rPr lang="en-US" sz="28000" b="1" i="1" spc="-2000" dirty="0">
-                  <a:solidFill>
-                    <a:schemeClr val="bg1"/>
-                  </a:solidFill>
-                  <a:latin typeface="Hasklig" panose="020B0509030403020204" pitchFamily="49" charset="0"/>
-                  <a:ea typeface="Hasklig" panose="020B0509030403020204" pitchFamily="49" charset="0"/>
-                </a:rPr>
-                <a:t>A</a:t>
-              </a:r>
-              <a:r>
-                <a:rPr lang="en-US" sz="40000" i="1" spc="-2500" dirty="0">
+                <a:rPr lang="en-US" sz="36000" i="1" spc="600" dirty="0">
                   <a:solidFill>
                     <a:schemeClr val="bg1"/>
                   </a:solidFill>
                   <a:latin typeface="Bodoni* 11" pitchFamily="50" charset="0"/>
                 </a:rPr>
-                <a:t>i</a:t>
-              </a:r>
-              <a:r>
-                <a:rPr lang="en-US" sz="40000" i="1" spc="-2000" dirty="0">
-                  <a:solidFill>
-                    <a:schemeClr val="bg1"/>
-                  </a:solidFill>
-                  <a:latin typeface="Bodoni* 11" pitchFamily="50" charset="0"/>
-                </a:rPr>
-                <a:t>f</a:t>
+                <a:t>if</a:t>
               </a:r>
             </a:p>
           </p:txBody>
